--- a/机器大脑.pptx
+++ b/机器大脑.pptx
@@ -7,6 +7,7 @@
   <p:sldIdLst>
     <p:sldId id="256" r:id="rId2"/>
     <p:sldId id="257" r:id="rId3"/>
+    <p:sldId id="258" r:id="rId4"/>
   </p:sldIdLst>
   <p:sldSz cx="9144000" cy="6858000" type="screen4x3"/>
   <p:notesSz cx="6858000" cy="9144000"/>
@@ -3036,56 +3037,218 @@
           <a:chExt cx="0" cy="0"/>
         </a:xfrm>
       </p:grpSpPr>
-      <p:sp>
-        <p:nvSpPr>
-          <p:cNvPr id="2" name="标题 1"/>
-          <p:cNvSpPr>
-            <a:spLocks noGrp="1"/>
-          </p:cNvSpPr>
-          <p:nvPr>
-            <p:ph type="ctrTitle"/>
-          </p:nvPr>
-        </p:nvSpPr>
-        <p:spPr/>
-        <p:txBody>
-          <a:bodyPr/>
-          <a:lstStyle/>
-          <a:p>
-            <a:r>
-              <a:rPr lang="zh-CN" altLang="en-US" dirty="0" smtClean="0"/>
-              <a:t>机器大脑</a:t>
-            </a:r>
-            <a:endParaRPr lang="zh-CN" altLang="en-US" dirty="0"/>
-          </a:p>
-        </p:txBody>
-      </p:sp>
-      <p:sp>
-        <p:nvSpPr>
-          <p:cNvPr id="3" name="副标题 2"/>
-          <p:cNvSpPr>
-            <a:spLocks noGrp="1"/>
-          </p:cNvSpPr>
-          <p:nvPr>
-            <p:ph type="subTitle" idx="1"/>
-          </p:nvPr>
-        </p:nvSpPr>
-        <p:spPr/>
-        <p:txBody>
-          <a:bodyPr/>
-          <a:lstStyle/>
-          <a:p>
-            <a:r>
-              <a:rPr lang="zh-CN" altLang="en-US" dirty="0"/>
-              <a:t>机器大脑</a:t>
-            </a:r>
-            <a:r>
-              <a:rPr lang="zh-CN" altLang="en-US" dirty="0" smtClean="0"/>
-              <a:t>运作</a:t>
-            </a:r>
-            <a:r>
-              <a:rPr lang="zh-CN" altLang="en-US" dirty="0"/>
-              <a:t>图</a:t>
-            </a:r>
+      <p:pic>
+        <p:nvPicPr>
+          <p:cNvPr id="1027" name="Picture 3" descr="C:\Users\zouhuixing\Pictures\Saved Pictures\卡通报表.jpg"/>
+          <p:cNvPicPr>
+            <a:picLocks noChangeAspect="1" noChangeArrowheads="1"/>
+          </p:cNvPicPr>
+          <p:nvPr/>
+        </p:nvPicPr>
+        <p:blipFill>
+          <a:blip r:embed="rId2">
+            <a:extLst>
+              <a:ext uri="{28A0092B-C50C-407E-A947-70E740481C1C}">
+                <a14:useLocalDpi xmlns:a14="http://schemas.microsoft.com/office/drawing/2010/main" val="0"/>
+              </a:ext>
+            </a:extLst>
+          </a:blip>
+          <a:srcRect/>
+          <a:stretch>
+            <a:fillRect/>
+          </a:stretch>
+        </p:blipFill>
+        <p:spPr bwMode="auto">
+          <a:xfrm>
+            <a:off x="0" y="0"/>
+            <a:ext cx="9144000" cy="6858000"/>
+          </a:xfrm>
+          <a:prstGeom prst="rect">
+            <a:avLst/>
+          </a:prstGeom>
+          <a:noFill/>
+          <a:extLst>
+            <a:ext uri="{909E8E84-426E-40DD-AFC4-6F175D3DCCD1}">
+              <a14:hiddenFill xmlns:a14="http://schemas.microsoft.com/office/drawing/2010/main">
+                <a:solidFill>
+                  <a:srgbClr val="FFFFFF"/>
+                </a:solidFill>
+              </a14:hiddenFill>
+            </a:ext>
+          </a:extLst>
+        </p:spPr>
+      </p:pic>
+      <p:sp>
+        <p:nvSpPr>
+          <p:cNvPr id="6" name="矩形 5"/>
+          <p:cNvSpPr/>
+          <p:nvPr/>
+        </p:nvSpPr>
+        <p:spPr>
+          <a:xfrm>
+            <a:off x="755576" y="764704"/>
+            <a:ext cx="3647152" cy="923330"/>
+          </a:xfrm>
+          <a:prstGeom prst="rect">
+            <a:avLst/>
+          </a:prstGeom>
+          <a:noFill/>
+        </p:spPr>
+        <p:txBody>
+          <a:bodyPr wrap="none" lIns="91440" tIns="45720" rIns="91440" bIns="45720">
+            <a:spAutoFit/>
+          </a:bodyPr>
+          <a:lstStyle/>
+          <a:p>
+            <a:pPr algn="ctr"/>
+            <a:r>
+              <a:rPr lang="zh-CN" altLang="en-US" sz="5400" b="1" cap="none" spc="0" dirty="0" smtClean="0">
+                <a:ln w="31550" cmpd="sng">
+                  <a:gradFill>
+                    <a:gsLst>
+                      <a:gs pos="70000">
+                        <a:schemeClr val="accent6">
+                          <a:shade val="50000"/>
+                          <a:satMod val="190000"/>
+                        </a:schemeClr>
+                      </a:gs>
+                      <a:gs pos="0">
+                        <a:schemeClr val="accent6">
+                          <a:tint val="77000"/>
+                          <a:satMod val="180000"/>
+                        </a:schemeClr>
+                      </a:gs>
+                    </a:gsLst>
+                    <a:lin ang="5400000"/>
+                  </a:gradFill>
+                  <a:prstDash val="solid"/>
+                </a:ln>
+                <a:solidFill>
+                  <a:srgbClr val="00B0F0"/>
+                </a:solidFill>
+                <a:effectLst>
+                  <a:outerShdw blurRad="50800" dist="40000" dir="5400000" algn="tl" rotWithShape="0">
+                    <a:srgbClr val="000000">
+                      <a:shade val="5000"/>
+                      <a:satMod val="120000"/>
+                      <a:alpha val="33000"/>
+                    </a:srgbClr>
+                  </a:outerShdw>
+                </a:effectLst>
+                <a:latin typeface="华文行楷" pitchFamily="2" charset="-122"/>
+                <a:ea typeface="华文行楷" pitchFamily="2" charset="-122"/>
+              </a:rPr>
+              <a:t>网络探界者</a:t>
+            </a:r>
+            <a:endParaRPr lang="zh-CN" altLang="en-US" sz="5400" b="1" cap="none" spc="0" dirty="0">
+              <a:ln w="31550" cmpd="sng">
+                <a:gradFill>
+                  <a:gsLst>
+                    <a:gs pos="70000">
+                      <a:schemeClr val="accent6">
+                        <a:shade val="50000"/>
+                        <a:satMod val="190000"/>
+                      </a:schemeClr>
+                    </a:gs>
+                    <a:gs pos="0">
+                      <a:schemeClr val="accent6">
+                        <a:tint val="77000"/>
+                        <a:satMod val="180000"/>
+                      </a:schemeClr>
+                    </a:gs>
+                  </a:gsLst>
+                  <a:lin ang="5400000"/>
+                </a:gradFill>
+                <a:prstDash val="solid"/>
+              </a:ln>
+              <a:solidFill>
+                <a:srgbClr val="00B0F0"/>
+              </a:solidFill>
+              <a:effectLst>
+                <a:outerShdw blurRad="50800" dist="40000" dir="5400000" algn="tl" rotWithShape="0">
+                  <a:srgbClr val="000000">
+                    <a:shade val="5000"/>
+                    <a:satMod val="120000"/>
+                    <a:alpha val="33000"/>
+                  </a:srgbClr>
+                </a:outerShdw>
+              </a:effectLst>
+            </a:endParaRPr>
+          </a:p>
+        </p:txBody>
+      </p:sp>
+      <p:sp>
+        <p:nvSpPr>
+          <p:cNvPr id="12" name="矩形 11"/>
+          <p:cNvSpPr/>
+          <p:nvPr/>
+        </p:nvSpPr>
+        <p:spPr>
+          <a:xfrm>
+            <a:off x="1763688" y="1688034"/>
+            <a:ext cx="7096815" cy="461665"/>
+          </a:xfrm>
+          <a:prstGeom prst="rect">
+            <a:avLst/>
+          </a:prstGeom>
+          <a:noFill/>
+        </p:spPr>
+        <p:txBody>
+          <a:bodyPr wrap="none" lIns="91440" tIns="45720" rIns="91440" bIns="45720">
+            <a:spAutoFit/>
+          </a:bodyPr>
+          <a:lstStyle/>
+          <a:p>
+            <a:pPr algn="ctr"/>
+            <a:r>
+              <a:rPr lang="zh-CN" altLang="en-US" sz="2400" b="1" cap="none" spc="50" dirty="0" smtClean="0">
+                <a:ln w="12700" cmpd="sng">
+                  <a:solidFill>
+                    <a:schemeClr val="accent6">
+                      <a:satMod val="120000"/>
+                      <a:shade val="80000"/>
+                    </a:schemeClr>
+                  </a:solidFill>
+                  <a:prstDash val="solid"/>
+                </a:ln>
+                <a:solidFill>
+                  <a:schemeClr val="bg1"/>
+                </a:solidFill>
+                <a:effectLst>
+                  <a:glow rad="53100">
+                    <a:schemeClr val="accent6">
+                      <a:satMod val="180000"/>
+                      <a:alpha val="30000"/>
+                    </a:schemeClr>
+                  </a:glow>
+                </a:effectLst>
+                <a:latin typeface="华文行楷" pitchFamily="2" charset="-122"/>
+                <a:ea typeface="华文行楷" pitchFamily="2" charset="-122"/>
+              </a:rPr>
+              <a:t>一个用电脑帮我们看新闻分析数据的一个人工智障</a:t>
+            </a:r>
+            <a:endParaRPr lang="zh-CN" altLang="en-US" sz="2400" b="1" cap="none" spc="50" dirty="0">
+              <a:ln w="12700" cmpd="sng">
+                <a:solidFill>
+                  <a:schemeClr val="accent6">
+                    <a:satMod val="120000"/>
+                    <a:shade val="80000"/>
+                  </a:schemeClr>
+                </a:solidFill>
+                <a:prstDash val="solid"/>
+              </a:ln>
+              <a:solidFill>
+                <a:schemeClr val="bg1"/>
+              </a:solidFill>
+              <a:effectLst>
+                <a:glow rad="53100">
+                  <a:schemeClr val="accent6">
+                    <a:satMod val="180000"/>
+                    <a:alpha val="30000"/>
+                  </a:schemeClr>
+                </a:glow>
+              </a:effectLst>
+            </a:endParaRPr>
           </a:p>
         </p:txBody>
       </p:sp>
@@ -3169,29 +3332,6 @@
       </p:pic>
       <p:sp>
         <p:nvSpPr>
-          <p:cNvPr id="2" name="标题 1"/>
-          <p:cNvSpPr>
-            <a:spLocks noGrp="1"/>
-          </p:cNvSpPr>
-          <p:nvPr>
-            <p:ph type="title"/>
-          </p:nvPr>
-        </p:nvSpPr>
-        <p:spPr/>
-        <p:txBody>
-          <a:bodyPr/>
-          <a:lstStyle/>
-          <a:p>
-            <a:r>
-              <a:rPr lang="zh-CN" altLang="en-US" dirty="0" smtClean="0"/>
-              <a:t>机器大脑抽象分析</a:t>
-            </a:r>
-            <a:endParaRPr lang="zh-CN" altLang="en-US" dirty="0"/>
-          </a:p>
-        </p:txBody>
-      </p:sp>
-      <p:sp>
-        <p:nvSpPr>
           <p:cNvPr id="5" name="矩形 4"/>
           <p:cNvSpPr/>
           <p:nvPr/>
@@ -3765,10 +3905,1507 @@
           </a:fontRef>
         </p:style>
       </p:cxnSp>
+      <p:sp>
+        <p:nvSpPr>
+          <p:cNvPr id="19" name="TextBox 18"/>
+          <p:cNvSpPr txBox="1"/>
+          <p:nvPr/>
+        </p:nvSpPr>
+        <p:spPr>
+          <a:xfrm>
+            <a:off x="683568" y="404664"/>
+            <a:ext cx="1821286" cy="369332"/>
+          </a:xfrm>
+          <a:prstGeom prst="rect">
+            <a:avLst/>
+          </a:prstGeom>
+          <a:noFill/>
+        </p:spPr>
+        <p:txBody>
+          <a:bodyPr wrap="square" rtlCol="0">
+            <a:spAutoFit/>
+          </a:bodyPr>
+          <a:lstStyle/>
+          <a:p>
+            <a:r>
+              <a:rPr lang="zh-CN" altLang="en-US" b="1" dirty="0" smtClean="0">
+                <a:solidFill>
+                  <a:srgbClr val="FF0000"/>
+                </a:solidFill>
+                <a:latin typeface="+mn-ea"/>
+              </a:rPr>
+              <a:t>运作原理</a:t>
+            </a:r>
+            <a:endParaRPr lang="zh-CN" altLang="en-US" b="1" dirty="0">
+              <a:solidFill>
+                <a:srgbClr val="FF0000"/>
+              </a:solidFill>
+              <a:latin typeface="+mn-ea"/>
+            </a:endParaRPr>
+          </a:p>
+        </p:txBody>
+      </p:sp>
     </p:spTree>
     <p:extLst>
       <p:ext uri="{BB962C8B-B14F-4D97-AF65-F5344CB8AC3E}">
         <p14:creationId xmlns:p14="http://schemas.microsoft.com/office/powerpoint/2010/main" val="2280716921"/>
+      </p:ext>
+    </p:extLst>
+  </p:cSld>
+  <p:clrMapOvr>
+    <a:masterClrMapping/>
+  </p:clrMapOvr>
+  <p:timing>
+    <p:tnLst>
+      <p:par>
+        <p:cTn id="1" dur="indefinite" restart="never" nodeType="tmRoot"/>
+      </p:par>
+    </p:tnLst>
+  </p:timing>
+</p:sld>
+</file>
+
+<file path=ppt/slides/slide3.xml><?xml version="1.0" encoding="utf-8"?>
+<p:sld xmlns:a="http://schemas.openxmlformats.org/drawingml/2006/main" xmlns:r="http://schemas.openxmlformats.org/officeDocument/2006/relationships" xmlns:p="http://schemas.openxmlformats.org/presentationml/2006/main">
+  <p:cSld>
+    <p:spTree>
+      <p:nvGrpSpPr>
+        <p:cNvPr id="1" name=""/>
+        <p:cNvGrpSpPr/>
+        <p:nvPr/>
+      </p:nvGrpSpPr>
+      <p:grpSpPr>
+        <a:xfrm>
+          <a:off x="0" y="0"/>
+          <a:ext cx="0" cy="0"/>
+          <a:chOff x="0" y="0"/>
+          <a:chExt cx="0" cy="0"/>
+        </a:xfrm>
+      </p:grpSpPr>
+      <p:sp>
+        <p:nvSpPr>
+          <p:cNvPr id="4" name="矩形 3"/>
+          <p:cNvSpPr/>
+          <p:nvPr/>
+        </p:nvSpPr>
+        <p:spPr>
+          <a:xfrm>
+            <a:off x="6300192" y="3356992"/>
+            <a:ext cx="2016224" cy="504056"/>
+          </a:xfrm>
+          <a:prstGeom prst="rect">
+            <a:avLst/>
+          </a:prstGeom>
+          <a:solidFill>
+            <a:srgbClr val="FF0000"/>
+          </a:solidFill>
+        </p:spPr>
+        <p:style>
+          <a:lnRef idx="2">
+            <a:schemeClr val="accent3">
+              <a:shade val="50000"/>
+            </a:schemeClr>
+          </a:lnRef>
+          <a:fillRef idx="1">
+            <a:schemeClr val="accent3"/>
+          </a:fillRef>
+          <a:effectRef idx="0">
+            <a:schemeClr val="accent3"/>
+          </a:effectRef>
+          <a:fontRef idx="minor">
+            <a:schemeClr val="lt1"/>
+          </a:fontRef>
+        </p:style>
+        <p:txBody>
+          <a:bodyPr rtlCol="0" anchor="ctr"/>
+          <a:lstStyle/>
+          <a:p>
+            <a:pPr algn="ctr"/>
+            <a:r>
+              <a:rPr lang="en-US" altLang="zh-CN" dirty="0" smtClean="0"/>
+              <a:t>Explore</a:t>
+            </a:r>
+            <a:endParaRPr lang="zh-CN" altLang="en-US" dirty="0"/>
+          </a:p>
+        </p:txBody>
+      </p:sp>
+      <p:sp>
+        <p:nvSpPr>
+          <p:cNvPr id="5" name="矩形 4"/>
+          <p:cNvSpPr/>
+          <p:nvPr/>
+        </p:nvSpPr>
+        <p:spPr>
+          <a:xfrm>
+            <a:off x="2520809" y="3356992"/>
+            <a:ext cx="2016224" cy="504056"/>
+          </a:xfrm>
+          <a:prstGeom prst="rect">
+            <a:avLst/>
+          </a:prstGeom>
+        </p:spPr>
+        <p:style>
+          <a:lnRef idx="2">
+            <a:schemeClr val="accent3">
+              <a:shade val="50000"/>
+            </a:schemeClr>
+          </a:lnRef>
+          <a:fillRef idx="1">
+            <a:schemeClr val="accent3"/>
+          </a:fillRef>
+          <a:effectRef idx="0">
+            <a:schemeClr val="accent3"/>
+          </a:effectRef>
+          <a:fontRef idx="minor">
+            <a:schemeClr val="lt1"/>
+          </a:fontRef>
+        </p:style>
+        <p:txBody>
+          <a:bodyPr rtlCol="0" anchor="ctr"/>
+          <a:lstStyle/>
+          <a:p>
+            <a:pPr algn="ctr"/>
+            <a:r>
+              <a:rPr lang="en-US" altLang="zh-CN" dirty="0" smtClean="0"/>
+              <a:t>Manager</a:t>
+            </a:r>
+            <a:endParaRPr lang="zh-CN" altLang="en-US" dirty="0"/>
+          </a:p>
+        </p:txBody>
+      </p:sp>
+      <p:sp>
+        <p:nvSpPr>
+          <p:cNvPr id="6" name="矩形 5"/>
+          <p:cNvSpPr/>
+          <p:nvPr/>
+        </p:nvSpPr>
+        <p:spPr>
+          <a:xfrm>
+            <a:off x="2524060" y="1124744"/>
+            <a:ext cx="751796" cy="288032"/>
+          </a:xfrm>
+          <a:prstGeom prst="rect">
+            <a:avLst/>
+          </a:prstGeom>
+          <a:solidFill>
+            <a:srgbClr val="FFC000"/>
+          </a:solidFill>
+        </p:spPr>
+        <p:style>
+          <a:lnRef idx="2">
+            <a:schemeClr val="accent3">
+              <a:shade val="50000"/>
+            </a:schemeClr>
+          </a:lnRef>
+          <a:fillRef idx="1">
+            <a:schemeClr val="accent3"/>
+          </a:fillRef>
+          <a:effectRef idx="0">
+            <a:schemeClr val="accent3"/>
+          </a:effectRef>
+          <a:fontRef idx="minor">
+            <a:schemeClr val="lt1"/>
+          </a:fontRef>
+        </p:style>
+        <p:txBody>
+          <a:bodyPr rtlCol="0" anchor="ctr"/>
+          <a:lstStyle/>
+          <a:p>
+            <a:pPr algn="ctr"/>
+            <a:r>
+              <a:rPr lang="en-US" altLang="zh-CN" dirty="0" smtClean="0"/>
+              <a:t>task</a:t>
+            </a:r>
+            <a:endParaRPr lang="zh-CN" altLang="en-US" dirty="0"/>
+          </a:p>
+        </p:txBody>
+      </p:sp>
+      <p:sp>
+        <p:nvSpPr>
+          <p:cNvPr id="7" name="矩形 6"/>
+          <p:cNvSpPr/>
+          <p:nvPr/>
+        </p:nvSpPr>
+        <p:spPr>
+          <a:xfrm>
+            <a:off x="2676460" y="1277144"/>
+            <a:ext cx="751796" cy="288032"/>
+          </a:xfrm>
+          <a:prstGeom prst="rect">
+            <a:avLst/>
+          </a:prstGeom>
+          <a:solidFill>
+            <a:srgbClr val="FFC000"/>
+          </a:solidFill>
+        </p:spPr>
+        <p:style>
+          <a:lnRef idx="2">
+            <a:schemeClr val="accent3">
+              <a:shade val="50000"/>
+            </a:schemeClr>
+          </a:lnRef>
+          <a:fillRef idx="1">
+            <a:schemeClr val="accent3"/>
+          </a:fillRef>
+          <a:effectRef idx="0">
+            <a:schemeClr val="accent3"/>
+          </a:effectRef>
+          <a:fontRef idx="minor">
+            <a:schemeClr val="lt1"/>
+          </a:fontRef>
+        </p:style>
+        <p:txBody>
+          <a:bodyPr rtlCol="0" anchor="ctr"/>
+          <a:lstStyle/>
+          <a:p>
+            <a:pPr algn="ctr"/>
+            <a:r>
+              <a:rPr lang="en-US" altLang="zh-CN" dirty="0" smtClean="0"/>
+              <a:t>task</a:t>
+            </a:r>
+            <a:endParaRPr lang="zh-CN" altLang="en-US" dirty="0"/>
+          </a:p>
+        </p:txBody>
+      </p:sp>
+      <p:sp>
+        <p:nvSpPr>
+          <p:cNvPr id="8" name="矩形 7"/>
+          <p:cNvSpPr/>
+          <p:nvPr/>
+        </p:nvSpPr>
+        <p:spPr>
+          <a:xfrm>
+            <a:off x="2828860" y="1429544"/>
+            <a:ext cx="751796" cy="288032"/>
+          </a:xfrm>
+          <a:prstGeom prst="rect">
+            <a:avLst/>
+          </a:prstGeom>
+          <a:solidFill>
+            <a:srgbClr val="FFC000"/>
+          </a:solidFill>
+        </p:spPr>
+        <p:style>
+          <a:lnRef idx="2">
+            <a:schemeClr val="accent3">
+              <a:shade val="50000"/>
+            </a:schemeClr>
+          </a:lnRef>
+          <a:fillRef idx="1">
+            <a:schemeClr val="accent3"/>
+          </a:fillRef>
+          <a:effectRef idx="0">
+            <a:schemeClr val="accent3"/>
+          </a:effectRef>
+          <a:fontRef idx="minor">
+            <a:schemeClr val="lt1"/>
+          </a:fontRef>
+        </p:style>
+        <p:txBody>
+          <a:bodyPr rtlCol="0" anchor="ctr"/>
+          <a:lstStyle/>
+          <a:p>
+            <a:pPr algn="ctr"/>
+            <a:r>
+              <a:rPr lang="en-US" altLang="zh-CN" dirty="0" smtClean="0"/>
+              <a:t>task</a:t>
+            </a:r>
+            <a:endParaRPr lang="zh-CN" altLang="en-US" dirty="0"/>
+          </a:p>
+        </p:txBody>
+      </p:sp>
+      <p:sp>
+        <p:nvSpPr>
+          <p:cNvPr id="9" name="矩形 8"/>
+          <p:cNvSpPr/>
+          <p:nvPr/>
+        </p:nvSpPr>
+        <p:spPr>
+          <a:xfrm>
+            <a:off x="3515404" y="1124744"/>
+            <a:ext cx="751796" cy="288032"/>
+          </a:xfrm>
+          <a:prstGeom prst="rect">
+            <a:avLst/>
+          </a:prstGeom>
+          <a:solidFill>
+            <a:srgbClr val="FFC000"/>
+          </a:solidFill>
+        </p:spPr>
+        <p:style>
+          <a:lnRef idx="2">
+            <a:schemeClr val="accent3">
+              <a:shade val="50000"/>
+            </a:schemeClr>
+          </a:lnRef>
+          <a:fillRef idx="1">
+            <a:schemeClr val="accent3"/>
+          </a:fillRef>
+          <a:effectRef idx="0">
+            <a:schemeClr val="accent3"/>
+          </a:effectRef>
+          <a:fontRef idx="minor">
+            <a:schemeClr val="lt1"/>
+          </a:fontRef>
+        </p:style>
+        <p:txBody>
+          <a:bodyPr rtlCol="0" anchor="ctr"/>
+          <a:lstStyle/>
+          <a:p>
+            <a:pPr algn="ctr"/>
+            <a:r>
+              <a:rPr lang="en-US" altLang="zh-CN" dirty="0" smtClean="0"/>
+              <a:t>task</a:t>
+            </a:r>
+            <a:endParaRPr lang="zh-CN" altLang="en-US" dirty="0"/>
+          </a:p>
+        </p:txBody>
+      </p:sp>
+      <p:sp>
+        <p:nvSpPr>
+          <p:cNvPr id="10" name="矩形 9"/>
+          <p:cNvSpPr/>
+          <p:nvPr/>
+        </p:nvSpPr>
+        <p:spPr>
+          <a:xfrm>
+            <a:off x="3667804" y="1277144"/>
+            <a:ext cx="751796" cy="288032"/>
+          </a:xfrm>
+          <a:prstGeom prst="rect">
+            <a:avLst/>
+          </a:prstGeom>
+          <a:solidFill>
+            <a:srgbClr val="FFC000"/>
+          </a:solidFill>
+        </p:spPr>
+        <p:style>
+          <a:lnRef idx="2">
+            <a:schemeClr val="accent3">
+              <a:shade val="50000"/>
+            </a:schemeClr>
+          </a:lnRef>
+          <a:fillRef idx="1">
+            <a:schemeClr val="accent3"/>
+          </a:fillRef>
+          <a:effectRef idx="0">
+            <a:schemeClr val="accent3"/>
+          </a:effectRef>
+          <a:fontRef idx="minor">
+            <a:schemeClr val="lt1"/>
+          </a:fontRef>
+        </p:style>
+        <p:txBody>
+          <a:bodyPr rtlCol="0" anchor="ctr"/>
+          <a:lstStyle/>
+          <a:p>
+            <a:pPr algn="ctr"/>
+            <a:r>
+              <a:rPr lang="en-US" altLang="zh-CN" dirty="0" smtClean="0"/>
+              <a:t>task</a:t>
+            </a:r>
+            <a:endParaRPr lang="zh-CN" altLang="en-US" dirty="0"/>
+          </a:p>
+        </p:txBody>
+      </p:sp>
+      <p:sp>
+        <p:nvSpPr>
+          <p:cNvPr id="11" name="矩形 10"/>
+          <p:cNvSpPr/>
+          <p:nvPr/>
+        </p:nvSpPr>
+        <p:spPr>
+          <a:xfrm>
+            <a:off x="3820204" y="1429544"/>
+            <a:ext cx="751796" cy="288032"/>
+          </a:xfrm>
+          <a:prstGeom prst="rect">
+            <a:avLst/>
+          </a:prstGeom>
+          <a:solidFill>
+            <a:srgbClr val="FFC000"/>
+          </a:solidFill>
+        </p:spPr>
+        <p:style>
+          <a:lnRef idx="2">
+            <a:schemeClr val="accent3">
+              <a:shade val="50000"/>
+            </a:schemeClr>
+          </a:lnRef>
+          <a:fillRef idx="1">
+            <a:schemeClr val="accent3"/>
+          </a:fillRef>
+          <a:effectRef idx="0">
+            <a:schemeClr val="accent3"/>
+          </a:effectRef>
+          <a:fontRef idx="minor">
+            <a:schemeClr val="lt1"/>
+          </a:fontRef>
+        </p:style>
+        <p:txBody>
+          <a:bodyPr rtlCol="0" anchor="ctr"/>
+          <a:lstStyle/>
+          <a:p>
+            <a:pPr algn="ctr"/>
+            <a:r>
+              <a:rPr lang="en-US" altLang="zh-CN" dirty="0" smtClean="0"/>
+              <a:t>task</a:t>
+            </a:r>
+            <a:endParaRPr lang="zh-CN" altLang="en-US" dirty="0"/>
+          </a:p>
+        </p:txBody>
+      </p:sp>
+      <p:cxnSp>
+        <p:nvCxnSpPr>
+          <p:cNvPr id="13" name="直接箭头连接符 12"/>
+          <p:cNvCxnSpPr>
+            <a:stCxn id="5" idx="3"/>
+            <a:endCxn id="4" idx="1"/>
+          </p:cNvCxnSpPr>
+          <p:nvPr/>
+        </p:nvCxnSpPr>
+        <p:spPr>
+          <a:xfrm>
+            <a:off x="4537033" y="3609020"/>
+            <a:ext cx="1763159" cy="0"/>
+          </a:xfrm>
+          <a:prstGeom prst="straightConnector1">
+            <a:avLst/>
+          </a:prstGeom>
+          <a:ln w="19050">
+            <a:tailEnd type="arrow"/>
+          </a:ln>
+        </p:spPr>
+        <p:style>
+          <a:lnRef idx="1">
+            <a:schemeClr val="accent1"/>
+          </a:lnRef>
+          <a:fillRef idx="0">
+            <a:schemeClr val="accent1"/>
+          </a:fillRef>
+          <a:effectRef idx="0">
+            <a:schemeClr val="accent1"/>
+          </a:effectRef>
+          <a:fontRef idx="minor">
+            <a:schemeClr val="tx1"/>
+          </a:fontRef>
+        </p:style>
+      </p:cxnSp>
+      <p:cxnSp>
+        <p:nvCxnSpPr>
+          <p:cNvPr id="16" name="直接箭头连接符 15"/>
+          <p:cNvCxnSpPr/>
+          <p:nvPr/>
+        </p:nvCxnSpPr>
+        <p:spPr>
+          <a:xfrm>
+            <a:off x="3533290" y="1844824"/>
+            <a:ext cx="0" cy="1512168"/>
+          </a:xfrm>
+          <a:prstGeom prst="straightConnector1">
+            <a:avLst/>
+          </a:prstGeom>
+          <a:ln w="19050">
+            <a:tailEnd type="arrow"/>
+          </a:ln>
+        </p:spPr>
+        <p:style>
+          <a:lnRef idx="1">
+            <a:schemeClr val="accent1"/>
+          </a:lnRef>
+          <a:fillRef idx="0">
+            <a:schemeClr val="accent1"/>
+          </a:fillRef>
+          <a:effectRef idx="0">
+            <a:schemeClr val="accent1"/>
+          </a:effectRef>
+          <a:fontRef idx="minor">
+            <a:schemeClr val="tx1"/>
+          </a:fontRef>
+        </p:style>
+      </p:cxnSp>
+      <p:sp>
+        <p:nvSpPr>
+          <p:cNvPr id="19" name="矩形 18"/>
+          <p:cNvSpPr/>
+          <p:nvPr/>
+        </p:nvSpPr>
+        <p:spPr>
+          <a:xfrm>
+            <a:off x="5025947" y="3429000"/>
+            <a:ext cx="751796" cy="288032"/>
+          </a:xfrm>
+          <a:prstGeom prst="rect">
+            <a:avLst/>
+          </a:prstGeom>
+          <a:solidFill>
+            <a:srgbClr val="FFC000"/>
+          </a:solidFill>
+        </p:spPr>
+        <p:style>
+          <a:lnRef idx="2">
+            <a:schemeClr val="accent3">
+              <a:shade val="50000"/>
+            </a:schemeClr>
+          </a:lnRef>
+          <a:fillRef idx="1">
+            <a:schemeClr val="accent3"/>
+          </a:fillRef>
+          <a:effectRef idx="0">
+            <a:schemeClr val="accent3"/>
+          </a:effectRef>
+          <a:fontRef idx="minor">
+            <a:schemeClr val="lt1"/>
+          </a:fontRef>
+        </p:style>
+        <p:txBody>
+          <a:bodyPr rtlCol="0" anchor="ctr"/>
+          <a:lstStyle/>
+          <a:p>
+            <a:pPr algn="ctr"/>
+            <a:r>
+              <a:rPr lang="en-US" altLang="zh-CN" dirty="0" smtClean="0"/>
+              <a:t>task</a:t>
+            </a:r>
+            <a:endParaRPr lang="zh-CN" altLang="en-US" dirty="0"/>
+          </a:p>
+        </p:txBody>
+      </p:sp>
+      <p:sp>
+        <p:nvSpPr>
+          <p:cNvPr id="20" name="矩形 19"/>
+          <p:cNvSpPr/>
+          <p:nvPr/>
+        </p:nvSpPr>
+        <p:spPr>
+          <a:xfrm>
+            <a:off x="6300192" y="4293096"/>
+            <a:ext cx="2016224" cy="504056"/>
+          </a:xfrm>
+          <a:prstGeom prst="rect">
+            <a:avLst/>
+          </a:prstGeom>
+          <a:solidFill>
+            <a:srgbClr val="FF0000"/>
+          </a:solidFill>
+        </p:spPr>
+        <p:style>
+          <a:lnRef idx="2">
+            <a:schemeClr val="accent3">
+              <a:shade val="50000"/>
+            </a:schemeClr>
+          </a:lnRef>
+          <a:fillRef idx="1">
+            <a:schemeClr val="accent3"/>
+          </a:fillRef>
+          <a:effectRef idx="0">
+            <a:schemeClr val="accent3"/>
+          </a:effectRef>
+          <a:fontRef idx="minor">
+            <a:schemeClr val="lt1"/>
+          </a:fontRef>
+        </p:style>
+        <p:txBody>
+          <a:bodyPr rtlCol="0" anchor="ctr"/>
+          <a:lstStyle/>
+          <a:p>
+            <a:pPr algn="ctr"/>
+            <a:r>
+              <a:rPr lang="en-US" altLang="zh-CN" dirty="0" smtClean="0"/>
+              <a:t>Explore</a:t>
+            </a:r>
+            <a:endParaRPr lang="zh-CN" altLang="en-US" dirty="0"/>
+          </a:p>
+        </p:txBody>
+      </p:sp>
+      <p:cxnSp>
+        <p:nvCxnSpPr>
+          <p:cNvPr id="23" name="直接箭头连接符 22"/>
+          <p:cNvCxnSpPr>
+            <a:stCxn id="5" idx="3"/>
+            <a:endCxn id="20" idx="1"/>
+          </p:cNvCxnSpPr>
+          <p:nvPr/>
+        </p:nvCxnSpPr>
+        <p:spPr>
+          <a:xfrm>
+            <a:off x="4537033" y="3609020"/>
+            <a:ext cx="1763159" cy="936104"/>
+          </a:xfrm>
+          <a:prstGeom prst="straightConnector1">
+            <a:avLst/>
+          </a:prstGeom>
+          <a:ln w="19050">
+            <a:tailEnd type="arrow"/>
+          </a:ln>
+        </p:spPr>
+        <p:style>
+          <a:lnRef idx="1">
+            <a:schemeClr val="accent1"/>
+          </a:lnRef>
+          <a:fillRef idx="0">
+            <a:schemeClr val="accent1"/>
+          </a:fillRef>
+          <a:effectRef idx="0">
+            <a:schemeClr val="accent1"/>
+          </a:effectRef>
+          <a:fontRef idx="minor">
+            <a:schemeClr val="tx1"/>
+          </a:fontRef>
+        </p:style>
+      </p:cxnSp>
+      <p:sp>
+        <p:nvSpPr>
+          <p:cNvPr id="26" name="矩形 25"/>
+          <p:cNvSpPr/>
+          <p:nvPr/>
+        </p:nvSpPr>
+        <p:spPr>
+          <a:xfrm>
+            <a:off x="5025947" y="4005064"/>
+            <a:ext cx="751796" cy="288032"/>
+          </a:xfrm>
+          <a:prstGeom prst="rect">
+            <a:avLst/>
+          </a:prstGeom>
+          <a:solidFill>
+            <a:srgbClr val="FFC000"/>
+          </a:solidFill>
+        </p:spPr>
+        <p:style>
+          <a:lnRef idx="2">
+            <a:schemeClr val="accent3">
+              <a:shade val="50000"/>
+            </a:schemeClr>
+          </a:lnRef>
+          <a:fillRef idx="1">
+            <a:schemeClr val="accent3"/>
+          </a:fillRef>
+          <a:effectRef idx="0">
+            <a:schemeClr val="accent3"/>
+          </a:effectRef>
+          <a:fontRef idx="minor">
+            <a:schemeClr val="lt1"/>
+          </a:fontRef>
+        </p:style>
+        <p:txBody>
+          <a:bodyPr rtlCol="0" anchor="ctr"/>
+          <a:lstStyle/>
+          <a:p>
+            <a:pPr algn="ctr"/>
+            <a:r>
+              <a:rPr lang="en-US" altLang="zh-CN" dirty="0" smtClean="0"/>
+              <a:t>task</a:t>
+            </a:r>
+            <a:endParaRPr lang="zh-CN" altLang="en-US" dirty="0"/>
+          </a:p>
+        </p:txBody>
+      </p:sp>
+      <p:sp>
+        <p:nvSpPr>
+          <p:cNvPr id="27" name="矩形 26"/>
+          <p:cNvSpPr/>
+          <p:nvPr/>
+        </p:nvSpPr>
+        <p:spPr>
+          <a:xfrm>
+            <a:off x="6300192" y="2401652"/>
+            <a:ext cx="2016224" cy="504056"/>
+          </a:xfrm>
+          <a:prstGeom prst="rect">
+            <a:avLst/>
+          </a:prstGeom>
+          <a:solidFill>
+            <a:srgbClr val="FF0000"/>
+          </a:solidFill>
+        </p:spPr>
+        <p:style>
+          <a:lnRef idx="2">
+            <a:schemeClr val="accent3">
+              <a:shade val="50000"/>
+            </a:schemeClr>
+          </a:lnRef>
+          <a:fillRef idx="1">
+            <a:schemeClr val="accent3"/>
+          </a:fillRef>
+          <a:effectRef idx="0">
+            <a:schemeClr val="accent3"/>
+          </a:effectRef>
+          <a:fontRef idx="minor">
+            <a:schemeClr val="lt1"/>
+          </a:fontRef>
+        </p:style>
+        <p:txBody>
+          <a:bodyPr rtlCol="0" anchor="ctr"/>
+          <a:lstStyle/>
+          <a:p>
+            <a:pPr algn="ctr"/>
+            <a:r>
+              <a:rPr lang="en-US" altLang="zh-CN" dirty="0" smtClean="0"/>
+              <a:t>Explore</a:t>
+            </a:r>
+            <a:endParaRPr lang="zh-CN" altLang="en-US" dirty="0"/>
+          </a:p>
+        </p:txBody>
+      </p:sp>
+      <p:cxnSp>
+        <p:nvCxnSpPr>
+          <p:cNvPr id="28" name="直接箭头连接符 27"/>
+          <p:cNvCxnSpPr>
+            <a:stCxn id="5" idx="3"/>
+            <a:endCxn id="27" idx="1"/>
+          </p:cNvCxnSpPr>
+          <p:nvPr/>
+        </p:nvCxnSpPr>
+        <p:spPr>
+          <a:xfrm flipV="1">
+            <a:off x="4537033" y="2653680"/>
+            <a:ext cx="1763159" cy="955340"/>
+          </a:xfrm>
+          <a:prstGeom prst="straightConnector1">
+            <a:avLst/>
+          </a:prstGeom>
+          <a:ln w="19050">
+            <a:tailEnd type="arrow"/>
+          </a:ln>
+        </p:spPr>
+        <p:style>
+          <a:lnRef idx="1">
+            <a:schemeClr val="accent1"/>
+          </a:lnRef>
+          <a:fillRef idx="0">
+            <a:schemeClr val="accent1"/>
+          </a:fillRef>
+          <a:effectRef idx="0">
+            <a:schemeClr val="accent1"/>
+          </a:effectRef>
+          <a:fontRef idx="minor">
+            <a:schemeClr val="tx1"/>
+          </a:fontRef>
+        </p:style>
+      </p:cxnSp>
+      <p:sp>
+        <p:nvSpPr>
+          <p:cNvPr id="32" name="矩形 31"/>
+          <p:cNvSpPr/>
+          <p:nvPr/>
+        </p:nvSpPr>
+        <p:spPr>
+          <a:xfrm>
+            <a:off x="5025947" y="2924944"/>
+            <a:ext cx="751796" cy="288032"/>
+          </a:xfrm>
+          <a:prstGeom prst="rect">
+            <a:avLst/>
+          </a:prstGeom>
+          <a:solidFill>
+            <a:srgbClr val="FFC000"/>
+          </a:solidFill>
+        </p:spPr>
+        <p:style>
+          <a:lnRef idx="2">
+            <a:schemeClr val="accent3">
+              <a:shade val="50000"/>
+            </a:schemeClr>
+          </a:lnRef>
+          <a:fillRef idx="1">
+            <a:schemeClr val="accent3"/>
+          </a:fillRef>
+          <a:effectRef idx="0">
+            <a:schemeClr val="accent3"/>
+          </a:effectRef>
+          <a:fontRef idx="minor">
+            <a:schemeClr val="lt1"/>
+          </a:fontRef>
+        </p:style>
+        <p:txBody>
+          <a:bodyPr rtlCol="0" anchor="ctr"/>
+          <a:lstStyle/>
+          <a:p>
+            <a:pPr algn="ctr"/>
+            <a:r>
+              <a:rPr lang="en-US" altLang="zh-CN" dirty="0" smtClean="0"/>
+              <a:t>task</a:t>
+            </a:r>
+            <a:endParaRPr lang="zh-CN" altLang="en-US" dirty="0"/>
+          </a:p>
+        </p:txBody>
+      </p:sp>
+      <p:cxnSp>
+        <p:nvCxnSpPr>
+          <p:cNvPr id="53" name="肘形连接符 52"/>
+          <p:cNvCxnSpPr>
+            <a:stCxn id="20" idx="3"/>
+            <a:endCxn id="5" idx="2"/>
+          </p:cNvCxnSpPr>
+          <p:nvPr/>
+        </p:nvCxnSpPr>
+        <p:spPr>
+          <a:xfrm flipH="1" flipV="1">
+            <a:off x="3528921" y="3861048"/>
+            <a:ext cx="4787495" cy="684076"/>
+          </a:xfrm>
+          <a:prstGeom prst="bentConnector4">
+            <a:avLst>
+              <a:gd name="adj1" fmla="val -4775"/>
+              <a:gd name="adj2" fmla="val -121066"/>
+            </a:avLst>
+          </a:prstGeom>
+          <a:ln>
+            <a:tailEnd type="arrow"/>
+          </a:ln>
+        </p:spPr>
+        <p:style>
+          <a:lnRef idx="1">
+            <a:schemeClr val="accent1"/>
+          </a:lnRef>
+          <a:fillRef idx="0">
+            <a:schemeClr val="accent1"/>
+          </a:fillRef>
+          <a:effectRef idx="0">
+            <a:schemeClr val="accent1"/>
+          </a:effectRef>
+          <a:fontRef idx="minor">
+            <a:schemeClr val="tx1"/>
+          </a:fontRef>
+        </p:style>
+      </p:cxnSp>
+      <p:sp>
+        <p:nvSpPr>
+          <p:cNvPr id="59" name="矩形 58"/>
+          <p:cNvSpPr/>
+          <p:nvPr/>
+        </p:nvSpPr>
+        <p:spPr>
+          <a:xfrm>
+            <a:off x="4573766" y="5085184"/>
+            <a:ext cx="751796" cy="288032"/>
+          </a:xfrm>
+          <a:prstGeom prst="rect">
+            <a:avLst/>
+          </a:prstGeom>
+          <a:solidFill>
+            <a:srgbClr val="0070C0"/>
+          </a:solidFill>
+        </p:spPr>
+        <p:style>
+          <a:lnRef idx="2">
+            <a:schemeClr val="accent3">
+              <a:shade val="50000"/>
+            </a:schemeClr>
+          </a:lnRef>
+          <a:fillRef idx="1">
+            <a:schemeClr val="accent3"/>
+          </a:fillRef>
+          <a:effectRef idx="0">
+            <a:schemeClr val="accent3"/>
+          </a:effectRef>
+          <a:fontRef idx="minor">
+            <a:schemeClr val="lt1"/>
+          </a:fontRef>
+        </p:style>
+        <p:txBody>
+          <a:bodyPr rtlCol="0" anchor="ctr"/>
+          <a:lstStyle/>
+          <a:p>
+            <a:pPr algn="ctr"/>
+            <a:r>
+              <a:rPr lang="en-US" altLang="zh-CN" dirty="0" err="1" smtClean="0"/>
+              <a:t>url</a:t>
+            </a:r>
+            <a:endParaRPr lang="zh-CN" altLang="en-US" dirty="0"/>
+          </a:p>
+        </p:txBody>
+      </p:sp>
+      <p:cxnSp>
+        <p:nvCxnSpPr>
+          <p:cNvPr id="64" name="肘形连接符 63"/>
+          <p:cNvCxnSpPr>
+            <a:stCxn id="4" idx="3"/>
+            <a:endCxn id="5" idx="2"/>
+          </p:cNvCxnSpPr>
+          <p:nvPr/>
+        </p:nvCxnSpPr>
+        <p:spPr>
+          <a:xfrm flipH="1">
+            <a:off x="3528921" y="3609020"/>
+            <a:ext cx="4787495" cy="252028"/>
+          </a:xfrm>
+          <a:prstGeom prst="bentConnector4">
+            <a:avLst>
+              <a:gd name="adj1" fmla="val -4775"/>
+              <a:gd name="adj2" fmla="val 701039"/>
+            </a:avLst>
+          </a:prstGeom>
+          <a:ln>
+            <a:tailEnd type="arrow"/>
+          </a:ln>
+        </p:spPr>
+        <p:style>
+          <a:lnRef idx="1">
+            <a:schemeClr val="accent1"/>
+          </a:lnRef>
+          <a:fillRef idx="0">
+            <a:schemeClr val="accent1"/>
+          </a:fillRef>
+          <a:effectRef idx="0">
+            <a:schemeClr val="accent1"/>
+          </a:effectRef>
+          <a:fontRef idx="minor">
+            <a:schemeClr val="tx1"/>
+          </a:fontRef>
+        </p:style>
+      </p:cxnSp>
+      <p:cxnSp>
+        <p:nvCxnSpPr>
+          <p:cNvPr id="67" name="肘形连接符 66"/>
+          <p:cNvCxnSpPr>
+            <a:stCxn id="27" idx="3"/>
+            <a:endCxn id="5" idx="2"/>
+          </p:cNvCxnSpPr>
+          <p:nvPr/>
+        </p:nvCxnSpPr>
+        <p:spPr>
+          <a:xfrm flipH="1">
+            <a:off x="3528921" y="2653680"/>
+            <a:ext cx="4787495" cy="1207368"/>
+          </a:xfrm>
+          <a:prstGeom prst="bentConnector4">
+            <a:avLst>
+              <a:gd name="adj1" fmla="val -4775"/>
+              <a:gd name="adj2" fmla="val 224630"/>
+            </a:avLst>
+          </a:prstGeom>
+          <a:ln>
+            <a:tailEnd type="arrow"/>
+          </a:ln>
+        </p:spPr>
+        <p:style>
+          <a:lnRef idx="1">
+            <a:schemeClr val="accent1"/>
+          </a:lnRef>
+          <a:fillRef idx="0">
+            <a:schemeClr val="accent1"/>
+          </a:fillRef>
+          <a:effectRef idx="0">
+            <a:schemeClr val="accent1"/>
+          </a:effectRef>
+          <a:fontRef idx="minor">
+            <a:schemeClr val="tx1"/>
+          </a:fontRef>
+        </p:style>
+      </p:cxnSp>
+      <p:sp>
+        <p:nvSpPr>
+          <p:cNvPr id="62" name="矩形 61"/>
+          <p:cNvSpPr/>
+          <p:nvPr/>
+        </p:nvSpPr>
+        <p:spPr>
+          <a:xfrm>
+            <a:off x="6449341" y="5213228"/>
+            <a:ext cx="1224136" cy="320772"/>
+          </a:xfrm>
+          <a:prstGeom prst="rect">
+            <a:avLst/>
+          </a:prstGeom>
+          <a:solidFill>
+            <a:srgbClr val="00B050"/>
+          </a:solidFill>
+        </p:spPr>
+        <p:style>
+          <a:lnRef idx="2">
+            <a:schemeClr val="accent3">
+              <a:shade val="50000"/>
+            </a:schemeClr>
+          </a:lnRef>
+          <a:fillRef idx="1">
+            <a:schemeClr val="accent3"/>
+          </a:fillRef>
+          <a:effectRef idx="0">
+            <a:schemeClr val="accent3"/>
+          </a:effectRef>
+          <a:fontRef idx="minor">
+            <a:schemeClr val="lt1"/>
+          </a:fontRef>
+        </p:style>
+        <p:txBody>
+          <a:bodyPr rtlCol="0" anchor="ctr"/>
+          <a:lstStyle/>
+          <a:p>
+            <a:pPr algn="ctr"/>
+            <a:r>
+              <a:rPr lang="en-US" altLang="zh-CN" dirty="0" smtClean="0"/>
+              <a:t>content</a:t>
+            </a:r>
+            <a:endParaRPr lang="zh-CN" altLang="en-US" dirty="0"/>
+          </a:p>
+        </p:txBody>
+      </p:sp>
+      <p:sp>
+        <p:nvSpPr>
+          <p:cNvPr id="60" name="矩形 59"/>
+          <p:cNvSpPr/>
+          <p:nvPr/>
+        </p:nvSpPr>
+        <p:spPr>
+          <a:xfrm>
+            <a:off x="4726166" y="5237584"/>
+            <a:ext cx="751796" cy="288032"/>
+          </a:xfrm>
+          <a:prstGeom prst="rect">
+            <a:avLst/>
+          </a:prstGeom>
+          <a:solidFill>
+            <a:srgbClr val="0070C0"/>
+          </a:solidFill>
+        </p:spPr>
+        <p:style>
+          <a:lnRef idx="2">
+            <a:schemeClr val="accent3">
+              <a:shade val="50000"/>
+            </a:schemeClr>
+          </a:lnRef>
+          <a:fillRef idx="1">
+            <a:schemeClr val="accent3"/>
+          </a:fillRef>
+          <a:effectRef idx="0">
+            <a:schemeClr val="accent3"/>
+          </a:effectRef>
+          <a:fontRef idx="minor">
+            <a:schemeClr val="lt1"/>
+          </a:fontRef>
+        </p:style>
+        <p:txBody>
+          <a:bodyPr rtlCol="0" anchor="ctr"/>
+          <a:lstStyle/>
+          <a:p>
+            <a:pPr algn="ctr"/>
+            <a:r>
+              <a:rPr lang="en-US" altLang="zh-CN" dirty="0" err="1" smtClean="0"/>
+              <a:t>url</a:t>
+            </a:r>
+            <a:endParaRPr lang="zh-CN" altLang="en-US" dirty="0"/>
+          </a:p>
+        </p:txBody>
+      </p:sp>
+      <p:sp>
+        <p:nvSpPr>
+          <p:cNvPr id="61" name="矩形 60"/>
+          <p:cNvSpPr/>
+          <p:nvPr/>
+        </p:nvSpPr>
+        <p:spPr>
+          <a:xfrm>
+            <a:off x="4878566" y="5389984"/>
+            <a:ext cx="751796" cy="288032"/>
+          </a:xfrm>
+          <a:prstGeom prst="rect">
+            <a:avLst/>
+          </a:prstGeom>
+          <a:solidFill>
+            <a:srgbClr val="0070C0"/>
+          </a:solidFill>
+        </p:spPr>
+        <p:style>
+          <a:lnRef idx="2">
+            <a:schemeClr val="accent3">
+              <a:shade val="50000"/>
+            </a:schemeClr>
+          </a:lnRef>
+          <a:fillRef idx="1">
+            <a:schemeClr val="accent3"/>
+          </a:fillRef>
+          <a:effectRef idx="0">
+            <a:schemeClr val="accent3"/>
+          </a:effectRef>
+          <a:fontRef idx="minor">
+            <a:schemeClr val="lt1"/>
+          </a:fontRef>
+        </p:style>
+        <p:txBody>
+          <a:bodyPr rtlCol="0" anchor="ctr"/>
+          <a:lstStyle/>
+          <a:p>
+            <a:pPr algn="ctr"/>
+            <a:r>
+              <a:rPr lang="en-US" altLang="zh-CN" dirty="0" err="1" smtClean="0"/>
+              <a:t>url</a:t>
+            </a:r>
+            <a:endParaRPr lang="zh-CN" altLang="en-US" dirty="0"/>
+          </a:p>
+        </p:txBody>
+      </p:sp>
+      <p:cxnSp>
+        <p:nvCxnSpPr>
+          <p:cNvPr id="70" name="肘形连接符 69"/>
+          <p:cNvCxnSpPr>
+            <a:stCxn id="5" idx="1"/>
+            <a:endCxn id="6" idx="1"/>
+          </p:cNvCxnSpPr>
+          <p:nvPr/>
+        </p:nvCxnSpPr>
+        <p:spPr>
+          <a:xfrm rot="10800000" flipH="1">
+            <a:off x="2520808" y="1268760"/>
+            <a:ext cx="3251" cy="2340260"/>
+          </a:xfrm>
+          <a:prstGeom prst="bentConnector3">
+            <a:avLst>
+              <a:gd name="adj1" fmla="val -23413196"/>
+            </a:avLst>
+          </a:prstGeom>
+          <a:ln>
+            <a:tailEnd type="arrow"/>
+          </a:ln>
+        </p:spPr>
+        <p:style>
+          <a:lnRef idx="1">
+            <a:schemeClr val="accent1"/>
+          </a:lnRef>
+          <a:fillRef idx="0">
+            <a:schemeClr val="accent1"/>
+          </a:fillRef>
+          <a:effectRef idx="0">
+            <a:schemeClr val="accent1"/>
+          </a:effectRef>
+          <a:fontRef idx="minor">
+            <a:schemeClr val="tx1"/>
+          </a:fontRef>
+        </p:style>
+      </p:cxnSp>
+      <p:sp>
+        <p:nvSpPr>
+          <p:cNvPr id="73" name="矩形 72"/>
+          <p:cNvSpPr/>
+          <p:nvPr/>
+        </p:nvSpPr>
+        <p:spPr>
+          <a:xfrm>
+            <a:off x="1286025" y="2276872"/>
+            <a:ext cx="930971" cy="432048"/>
+          </a:xfrm>
+          <a:prstGeom prst="rect">
+            <a:avLst/>
+          </a:prstGeom>
+          <a:solidFill>
+            <a:schemeClr val="accent6">
+              <a:lumMod val="60000"/>
+              <a:lumOff val="40000"/>
+            </a:schemeClr>
+          </a:solidFill>
+        </p:spPr>
+        <p:style>
+          <a:lnRef idx="2">
+            <a:schemeClr val="accent3">
+              <a:shade val="50000"/>
+            </a:schemeClr>
+          </a:lnRef>
+          <a:fillRef idx="1">
+            <a:schemeClr val="accent3"/>
+          </a:fillRef>
+          <a:effectRef idx="0">
+            <a:schemeClr val="accent3"/>
+          </a:effectRef>
+          <a:fontRef idx="minor">
+            <a:schemeClr val="lt1"/>
+          </a:fontRef>
+        </p:style>
+        <p:txBody>
+          <a:bodyPr rtlCol="0" anchor="ctr"/>
+          <a:lstStyle/>
+          <a:p>
+            <a:pPr algn="ctr"/>
+            <a:r>
+              <a:rPr lang="en-US" altLang="zh-CN" dirty="0" smtClean="0"/>
+              <a:t>Filter</a:t>
+            </a:r>
+            <a:endParaRPr lang="zh-CN" altLang="en-US" dirty="0"/>
+          </a:p>
+        </p:txBody>
+      </p:sp>
+      <p:sp>
+        <p:nvSpPr>
+          <p:cNvPr id="74" name="矩形 73"/>
+          <p:cNvSpPr/>
+          <p:nvPr/>
+        </p:nvSpPr>
+        <p:spPr>
+          <a:xfrm>
+            <a:off x="2504854" y="5733256"/>
+            <a:ext cx="2032179" cy="504056"/>
+          </a:xfrm>
+          <a:prstGeom prst="rect">
+            <a:avLst/>
+          </a:prstGeom>
+          <a:solidFill>
+            <a:srgbClr val="00B0F0"/>
+          </a:solidFill>
+        </p:spPr>
+        <p:style>
+          <a:lnRef idx="2">
+            <a:schemeClr val="accent3">
+              <a:shade val="50000"/>
+            </a:schemeClr>
+          </a:lnRef>
+          <a:fillRef idx="1">
+            <a:schemeClr val="accent3"/>
+          </a:fillRef>
+          <a:effectRef idx="0">
+            <a:schemeClr val="accent3"/>
+          </a:effectRef>
+          <a:fontRef idx="minor">
+            <a:schemeClr val="lt1"/>
+          </a:fontRef>
+        </p:style>
+        <p:txBody>
+          <a:bodyPr rtlCol="0" anchor="ctr"/>
+          <a:lstStyle/>
+          <a:p>
+            <a:pPr algn="ctr"/>
+            <a:r>
+              <a:rPr lang="en-US" altLang="zh-CN" dirty="0" smtClean="0"/>
+              <a:t>Storage</a:t>
+            </a:r>
+            <a:endParaRPr lang="zh-CN" altLang="en-US" dirty="0"/>
+          </a:p>
+        </p:txBody>
+      </p:sp>
+      <p:cxnSp>
+        <p:nvCxnSpPr>
+          <p:cNvPr id="77" name="肘形连接符 76"/>
+          <p:cNvCxnSpPr>
+            <a:stCxn id="5" idx="1"/>
+            <a:endCxn id="74" idx="1"/>
+          </p:cNvCxnSpPr>
+          <p:nvPr/>
+        </p:nvCxnSpPr>
+        <p:spPr>
+          <a:xfrm rot="10800000" flipV="1">
+            <a:off x="2504855" y="3609020"/>
+            <a:ext cx="15955" cy="2376264"/>
+          </a:xfrm>
+          <a:prstGeom prst="bentConnector3">
+            <a:avLst>
+              <a:gd name="adj1" fmla="val 4744726"/>
+            </a:avLst>
+          </a:prstGeom>
+          <a:ln w="19050">
+            <a:solidFill>
+              <a:srgbClr val="FF0000"/>
+            </a:solidFill>
+            <a:tailEnd type="arrow"/>
+          </a:ln>
+        </p:spPr>
+        <p:style>
+          <a:lnRef idx="1">
+            <a:schemeClr val="accent1"/>
+          </a:lnRef>
+          <a:fillRef idx="0">
+            <a:schemeClr val="accent1"/>
+          </a:fillRef>
+          <a:effectRef idx="0">
+            <a:schemeClr val="accent1"/>
+          </a:effectRef>
+          <a:fontRef idx="minor">
+            <a:schemeClr val="tx1"/>
+          </a:fontRef>
+        </p:style>
+      </p:cxnSp>
+      <p:sp>
+        <p:nvSpPr>
+          <p:cNvPr id="79" name="矩形 78"/>
+          <p:cNvSpPr/>
+          <p:nvPr/>
+        </p:nvSpPr>
+        <p:spPr>
+          <a:xfrm>
+            <a:off x="1100603" y="4797152"/>
+            <a:ext cx="1224136" cy="320772"/>
+          </a:xfrm>
+          <a:prstGeom prst="rect">
+            <a:avLst/>
+          </a:prstGeom>
+          <a:solidFill>
+            <a:srgbClr val="00B050"/>
+          </a:solidFill>
+        </p:spPr>
+        <p:style>
+          <a:lnRef idx="2">
+            <a:schemeClr val="accent3">
+              <a:shade val="50000"/>
+            </a:schemeClr>
+          </a:lnRef>
+          <a:fillRef idx="1">
+            <a:schemeClr val="accent3"/>
+          </a:fillRef>
+          <a:effectRef idx="0">
+            <a:schemeClr val="accent3"/>
+          </a:effectRef>
+          <a:fontRef idx="minor">
+            <a:schemeClr val="lt1"/>
+          </a:fontRef>
+        </p:style>
+        <p:txBody>
+          <a:bodyPr rtlCol="0" anchor="ctr"/>
+          <a:lstStyle/>
+          <a:p>
+            <a:pPr algn="ctr"/>
+            <a:r>
+              <a:rPr lang="en-US" altLang="zh-CN" dirty="0" smtClean="0"/>
+              <a:t>content</a:t>
+            </a:r>
+            <a:endParaRPr lang="zh-CN" altLang="en-US" dirty="0"/>
+          </a:p>
+        </p:txBody>
+      </p:sp>
+      <p:sp>
+        <p:nvSpPr>
+          <p:cNvPr id="82" name="矩形 81"/>
+          <p:cNvSpPr/>
+          <p:nvPr/>
+        </p:nvSpPr>
+        <p:spPr>
+          <a:xfrm>
+            <a:off x="1375612" y="1772816"/>
+            <a:ext cx="751796" cy="288032"/>
+          </a:xfrm>
+          <a:prstGeom prst="rect">
+            <a:avLst/>
+          </a:prstGeom>
+          <a:solidFill>
+            <a:srgbClr val="92D050"/>
+          </a:solidFill>
+        </p:spPr>
+        <p:style>
+          <a:lnRef idx="2">
+            <a:schemeClr val="accent3">
+              <a:shade val="50000"/>
+            </a:schemeClr>
+          </a:lnRef>
+          <a:fillRef idx="1">
+            <a:schemeClr val="accent3"/>
+          </a:fillRef>
+          <a:effectRef idx="0">
+            <a:schemeClr val="accent3"/>
+          </a:effectRef>
+          <a:fontRef idx="minor">
+            <a:schemeClr val="lt1"/>
+          </a:fontRef>
+        </p:style>
+        <p:txBody>
+          <a:bodyPr rtlCol="0" anchor="ctr"/>
+          <a:lstStyle/>
+          <a:p>
+            <a:pPr algn="ctr"/>
+            <a:r>
+              <a:rPr lang="en-US" altLang="zh-CN" dirty="0" smtClean="0"/>
+              <a:t>task</a:t>
+            </a:r>
+            <a:endParaRPr lang="zh-CN" altLang="en-US" dirty="0"/>
+          </a:p>
+        </p:txBody>
+      </p:sp>
+      <p:sp>
+        <p:nvSpPr>
+          <p:cNvPr id="83" name="矩形 82"/>
+          <p:cNvSpPr/>
+          <p:nvPr/>
+        </p:nvSpPr>
+        <p:spPr>
+          <a:xfrm>
+            <a:off x="1375612" y="2996952"/>
+            <a:ext cx="751796" cy="288032"/>
+          </a:xfrm>
+          <a:prstGeom prst="rect">
+            <a:avLst/>
+          </a:prstGeom>
+          <a:solidFill>
+            <a:srgbClr val="0070C0"/>
+          </a:solidFill>
+        </p:spPr>
+        <p:style>
+          <a:lnRef idx="2">
+            <a:schemeClr val="accent3">
+              <a:shade val="50000"/>
+            </a:schemeClr>
+          </a:lnRef>
+          <a:fillRef idx="1">
+            <a:schemeClr val="accent3"/>
+          </a:fillRef>
+          <a:effectRef idx="0">
+            <a:schemeClr val="accent3"/>
+          </a:effectRef>
+          <a:fontRef idx="minor">
+            <a:schemeClr val="lt1"/>
+          </a:fontRef>
+        </p:style>
+        <p:txBody>
+          <a:bodyPr rtlCol="0" anchor="ctr"/>
+          <a:lstStyle/>
+          <a:p>
+            <a:pPr algn="ctr"/>
+            <a:r>
+              <a:rPr lang="en-US" altLang="zh-CN" dirty="0" err="1" smtClean="0"/>
+              <a:t>url</a:t>
+            </a:r>
+            <a:endParaRPr lang="zh-CN" altLang="en-US" dirty="0"/>
+          </a:p>
+        </p:txBody>
+      </p:sp>
+      <p:sp>
+        <p:nvSpPr>
+          <p:cNvPr id="90" name="TextBox 89"/>
+          <p:cNvSpPr txBox="1"/>
+          <p:nvPr/>
+        </p:nvSpPr>
+        <p:spPr>
+          <a:xfrm>
+            <a:off x="683568" y="404664"/>
+            <a:ext cx="1821286" cy="369332"/>
+          </a:xfrm>
+          <a:prstGeom prst="rect">
+            <a:avLst/>
+          </a:prstGeom>
+          <a:noFill/>
+        </p:spPr>
+        <p:txBody>
+          <a:bodyPr wrap="square" rtlCol="0">
+            <a:spAutoFit/>
+          </a:bodyPr>
+          <a:lstStyle/>
+          <a:p>
+            <a:r>
+              <a:rPr lang="en-US" altLang="zh-CN" b="1" dirty="0" smtClean="0">
+                <a:solidFill>
+                  <a:srgbClr val="FF0000"/>
+                </a:solidFill>
+                <a:latin typeface="+mn-ea"/>
+              </a:rPr>
+              <a:t>Explore</a:t>
+            </a:r>
+            <a:r>
+              <a:rPr lang="zh-CN" altLang="en-US" b="1" dirty="0" smtClean="0">
+                <a:solidFill>
+                  <a:srgbClr val="FF0000"/>
+                </a:solidFill>
+                <a:latin typeface="+mn-ea"/>
+              </a:rPr>
+              <a:t>探索者</a:t>
+            </a:r>
+            <a:endParaRPr lang="zh-CN" altLang="en-US" b="1" dirty="0">
+              <a:solidFill>
+                <a:srgbClr val="FF0000"/>
+              </a:solidFill>
+              <a:latin typeface="+mn-ea"/>
+            </a:endParaRPr>
+          </a:p>
+        </p:txBody>
+      </p:sp>
+    </p:spTree>
+    <p:extLst>
+      <p:ext uri="{BB962C8B-B14F-4D97-AF65-F5344CB8AC3E}">
+        <p14:creationId xmlns:p14="http://schemas.microsoft.com/office/powerpoint/2010/main" val="3407733758"/>
       </p:ext>
     </p:extLst>
   </p:cSld>
